--- a/CAST-teaching/Danmaku-teaching/DanmakuGaming-01.pptx
+++ b/CAST-teaching/Danmaku-teaching/DanmakuGaming-01.pptx
@@ -5,20 +5,20 @@
     <p:sldMasterId id="2147483648" r:id="rId1"/>
   </p:sldMasterIdLst>
   <p:sldIdLst>
-    <p:sldId id="257" r:id="rId3"/>
-    <p:sldId id="265" r:id="rId4"/>
-    <p:sldId id="258" r:id="rId5"/>
-    <p:sldId id="259" r:id="rId6"/>
-    <p:sldId id="260" r:id="rId7"/>
-    <p:sldId id="256" r:id="rId8"/>
-    <p:sldId id="263" r:id="rId9"/>
-    <p:sldId id="262" r:id="rId10"/>
-    <p:sldId id="264" r:id="rId11"/>
-    <p:sldId id="261" r:id="rId12"/>
-    <p:sldId id="267" r:id="rId13"/>
-    <p:sldId id="268" r:id="rId14"/>
-    <p:sldId id="269" r:id="rId15"/>
-    <p:sldId id="270" r:id="rId16"/>
+    <p:sldId id="257" r:id="rId2"/>
+    <p:sldId id="265" r:id="rId3"/>
+    <p:sldId id="258" r:id="rId4"/>
+    <p:sldId id="259" r:id="rId5"/>
+    <p:sldId id="260" r:id="rId6"/>
+    <p:sldId id="256" r:id="rId7"/>
+    <p:sldId id="263" r:id="rId8"/>
+    <p:sldId id="262" r:id="rId9"/>
+    <p:sldId id="264" r:id="rId10"/>
+    <p:sldId id="261" r:id="rId11"/>
+    <p:sldId id="267" r:id="rId12"/>
+    <p:sldId id="268" r:id="rId13"/>
+    <p:sldId id="269" r:id="rId14"/>
+    <p:sldId id="270" r:id="rId15"/>
   </p:sldIdLst>
   <p:sldSz cx="12192000" cy="6858000"/>
   <p:notesSz cx="6858000" cy="9144000"/>
@@ -117,6 +117,11 @@
       </a:defRPr>
     </a:lvl9pPr>
   </p:defaultTextStyle>
+  <p:extLst>
+    <p:ext uri="{EFAFB233-063F-42B5-8137-9DF3F51BA10A}">
+      <p15:sldGuideLst xmlns:p15="http://schemas.microsoft.com/office/powerpoint/2012/main"/>
+    </p:ext>
+  </p:extLst>
 </p:presentation>
 </file>
 
@@ -251,6 +256,7 @@
           <a:p>
             <a:fld id="{D997B5FA-0921-464F-AAE1-844C04324D75}" type="datetimeFigureOut">
               <a:rPr lang="zh-CN" altLang="en-US" smtClean="0"/>
+              <a:t>2016/10/16</a:t>
             </a:fld>
             <a:endParaRPr lang="zh-CN" altLang="en-US"/>
           </a:p>
@@ -292,6 +298,7 @@
           <a:p>
             <a:fld id="{565CE74E-AB26-4998-AD42-012C4C1AD076}" type="slidenum">
               <a:rPr lang="zh-CN" altLang="en-US" smtClean="0"/>
+              <a:t>‹#›</a:t>
             </a:fld>
             <a:endParaRPr lang="zh-CN" altLang="en-US"/>
           </a:p>
@@ -365,7 +372,6 @@
               <a:rPr lang="zh-CN" altLang="en-US" smtClean="0"/>
               <a:t>单击此处编辑母版文本样式</a:t>
             </a:r>
-            <a:endParaRPr lang="zh-CN" altLang="en-US" smtClean="0"/>
           </a:p>
           <a:p>
             <a:pPr lvl="1"/>
@@ -373,7 +379,6 @@
               <a:rPr lang="zh-CN" altLang="en-US" smtClean="0"/>
               <a:t>第二级</a:t>
             </a:r>
-            <a:endParaRPr lang="zh-CN" altLang="en-US" smtClean="0"/>
           </a:p>
           <a:p>
             <a:pPr lvl="2"/>
@@ -381,7 +386,6 @@
               <a:rPr lang="zh-CN" altLang="en-US" smtClean="0"/>
               <a:t>第三级</a:t>
             </a:r>
-            <a:endParaRPr lang="zh-CN" altLang="en-US" smtClean="0"/>
           </a:p>
           <a:p>
             <a:pPr lvl="3"/>
@@ -389,7 +393,6 @@
               <a:rPr lang="zh-CN" altLang="en-US" smtClean="0"/>
               <a:t>第四级</a:t>
             </a:r>
-            <a:endParaRPr lang="zh-CN" altLang="en-US" smtClean="0"/>
           </a:p>
           <a:p>
             <a:pPr lvl="4"/>
@@ -418,6 +421,7 @@
           <a:p>
             <a:fld id="{D997B5FA-0921-464F-AAE1-844C04324D75}" type="datetimeFigureOut">
               <a:rPr lang="zh-CN" altLang="en-US" smtClean="0"/>
+              <a:t>2016/10/16</a:t>
             </a:fld>
             <a:endParaRPr lang="zh-CN" altLang="en-US"/>
           </a:p>
@@ -459,6 +463,7 @@
           <a:p>
             <a:fld id="{565CE74E-AB26-4998-AD42-012C4C1AD076}" type="slidenum">
               <a:rPr lang="zh-CN" altLang="en-US" smtClean="0"/>
+              <a:t>‹#›</a:t>
             </a:fld>
             <a:endParaRPr lang="zh-CN" altLang="en-US"/>
           </a:p>
@@ -542,7 +547,6 @@
               <a:rPr lang="zh-CN" altLang="en-US" smtClean="0"/>
               <a:t>单击此处编辑母版文本样式</a:t>
             </a:r>
-            <a:endParaRPr lang="zh-CN" altLang="en-US" smtClean="0"/>
           </a:p>
           <a:p>
             <a:pPr lvl="1"/>
@@ -550,7 +554,6 @@
               <a:rPr lang="zh-CN" altLang="en-US" smtClean="0"/>
               <a:t>第二级</a:t>
             </a:r>
-            <a:endParaRPr lang="zh-CN" altLang="en-US" smtClean="0"/>
           </a:p>
           <a:p>
             <a:pPr lvl="2"/>
@@ -558,7 +561,6 @@
               <a:rPr lang="zh-CN" altLang="en-US" smtClean="0"/>
               <a:t>第三级</a:t>
             </a:r>
-            <a:endParaRPr lang="zh-CN" altLang="en-US" smtClean="0"/>
           </a:p>
           <a:p>
             <a:pPr lvl="3"/>
@@ -566,7 +568,6 @@
               <a:rPr lang="zh-CN" altLang="en-US" smtClean="0"/>
               <a:t>第四级</a:t>
             </a:r>
-            <a:endParaRPr lang="zh-CN" altLang="en-US" smtClean="0"/>
           </a:p>
           <a:p>
             <a:pPr lvl="4"/>
@@ -595,6 +596,7 @@
           <a:p>
             <a:fld id="{D997B5FA-0921-464F-AAE1-844C04324D75}" type="datetimeFigureOut">
               <a:rPr lang="zh-CN" altLang="en-US" smtClean="0"/>
+              <a:t>2016/10/16</a:t>
             </a:fld>
             <a:endParaRPr lang="zh-CN" altLang="en-US"/>
           </a:p>
@@ -636,6 +638,7 @@
           <a:p>
             <a:fld id="{565CE74E-AB26-4998-AD42-012C4C1AD076}" type="slidenum">
               <a:rPr lang="zh-CN" altLang="en-US" smtClean="0"/>
+              <a:t>‹#›</a:t>
             </a:fld>
             <a:endParaRPr lang="zh-CN" altLang="en-US"/>
           </a:p>
@@ -709,7 +712,6 @@
               <a:rPr lang="zh-CN" altLang="en-US" smtClean="0"/>
               <a:t>单击此处编辑母版文本样式</a:t>
             </a:r>
-            <a:endParaRPr lang="zh-CN" altLang="en-US" smtClean="0"/>
           </a:p>
           <a:p>
             <a:pPr lvl="1"/>
@@ -717,7 +719,6 @@
               <a:rPr lang="zh-CN" altLang="en-US" smtClean="0"/>
               <a:t>第二级</a:t>
             </a:r>
-            <a:endParaRPr lang="zh-CN" altLang="en-US" smtClean="0"/>
           </a:p>
           <a:p>
             <a:pPr lvl="2"/>
@@ -725,7 +726,6 @@
               <a:rPr lang="zh-CN" altLang="en-US" smtClean="0"/>
               <a:t>第三级</a:t>
             </a:r>
-            <a:endParaRPr lang="zh-CN" altLang="en-US" smtClean="0"/>
           </a:p>
           <a:p>
             <a:pPr lvl="3"/>
@@ -733,7 +733,6 @@
               <a:rPr lang="zh-CN" altLang="en-US" smtClean="0"/>
               <a:t>第四级</a:t>
             </a:r>
-            <a:endParaRPr lang="zh-CN" altLang="en-US" smtClean="0"/>
           </a:p>
           <a:p>
             <a:pPr lvl="4"/>
@@ -762,6 +761,7 @@
           <a:p>
             <a:fld id="{D997B5FA-0921-464F-AAE1-844C04324D75}" type="datetimeFigureOut">
               <a:rPr lang="zh-CN" altLang="en-US" smtClean="0"/>
+              <a:t>2016/10/16</a:t>
             </a:fld>
             <a:endParaRPr lang="zh-CN" altLang="en-US"/>
           </a:p>
@@ -803,6 +803,7 @@
           <a:p>
             <a:fld id="{565CE74E-AB26-4998-AD42-012C4C1AD076}" type="slidenum">
               <a:rPr lang="zh-CN" altLang="en-US" smtClean="0"/>
+              <a:t>‹#›</a:t>
             </a:fld>
             <a:endParaRPr lang="zh-CN" altLang="en-US"/>
           </a:p>
@@ -981,7 +982,6 @@
               <a:rPr lang="zh-CN" altLang="en-US" smtClean="0"/>
               <a:t>单击此处编辑母版文本样式</a:t>
             </a:r>
-            <a:endParaRPr lang="zh-CN" altLang="en-US" smtClean="0"/>
           </a:p>
         </p:txBody>
       </p:sp>
@@ -1002,6 +1002,7 @@
           <a:p>
             <a:fld id="{D997B5FA-0921-464F-AAE1-844C04324D75}" type="datetimeFigureOut">
               <a:rPr lang="zh-CN" altLang="en-US" smtClean="0"/>
+              <a:t>2016/10/16</a:t>
             </a:fld>
             <a:endParaRPr lang="zh-CN" altLang="en-US"/>
           </a:p>
@@ -1043,6 +1044,7 @@
           <a:p>
             <a:fld id="{565CE74E-AB26-4998-AD42-012C4C1AD076}" type="slidenum">
               <a:rPr lang="zh-CN" altLang="en-US" smtClean="0"/>
+              <a:t>‹#›</a:t>
             </a:fld>
             <a:endParaRPr lang="zh-CN" altLang="en-US"/>
           </a:p>
@@ -1121,7 +1123,6 @@
               <a:rPr lang="zh-CN" altLang="en-US" smtClean="0"/>
               <a:t>单击此处编辑母版文本样式</a:t>
             </a:r>
-            <a:endParaRPr lang="zh-CN" altLang="en-US" smtClean="0"/>
           </a:p>
           <a:p>
             <a:pPr lvl="1"/>
@@ -1129,7 +1130,6 @@
               <a:rPr lang="zh-CN" altLang="en-US" smtClean="0"/>
               <a:t>第二级</a:t>
             </a:r>
-            <a:endParaRPr lang="zh-CN" altLang="en-US" smtClean="0"/>
           </a:p>
           <a:p>
             <a:pPr lvl="2"/>
@@ -1137,7 +1137,6 @@
               <a:rPr lang="zh-CN" altLang="en-US" smtClean="0"/>
               <a:t>第三级</a:t>
             </a:r>
-            <a:endParaRPr lang="zh-CN" altLang="en-US" smtClean="0"/>
           </a:p>
           <a:p>
             <a:pPr lvl="3"/>
@@ -1145,7 +1144,6 @@
               <a:rPr lang="zh-CN" altLang="en-US" smtClean="0"/>
               <a:t>第四级</a:t>
             </a:r>
-            <a:endParaRPr lang="zh-CN" altLang="en-US" smtClean="0"/>
           </a:p>
           <a:p>
             <a:pPr lvl="4"/>
@@ -1182,7 +1180,6 @@
               <a:rPr lang="zh-CN" altLang="en-US" smtClean="0"/>
               <a:t>单击此处编辑母版文本样式</a:t>
             </a:r>
-            <a:endParaRPr lang="zh-CN" altLang="en-US" smtClean="0"/>
           </a:p>
           <a:p>
             <a:pPr lvl="1"/>
@@ -1190,7 +1187,6 @@
               <a:rPr lang="zh-CN" altLang="en-US" smtClean="0"/>
               <a:t>第二级</a:t>
             </a:r>
-            <a:endParaRPr lang="zh-CN" altLang="en-US" smtClean="0"/>
           </a:p>
           <a:p>
             <a:pPr lvl="2"/>
@@ -1198,7 +1194,6 @@
               <a:rPr lang="zh-CN" altLang="en-US" smtClean="0"/>
               <a:t>第三级</a:t>
             </a:r>
-            <a:endParaRPr lang="zh-CN" altLang="en-US" smtClean="0"/>
           </a:p>
           <a:p>
             <a:pPr lvl="3"/>
@@ -1206,7 +1201,6 @@
               <a:rPr lang="zh-CN" altLang="en-US" smtClean="0"/>
               <a:t>第四级</a:t>
             </a:r>
-            <a:endParaRPr lang="zh-CN" altLang="en-US" smtClean="0"/>
           </a:p>
           <a:p>
             <a:pPr lvl="4"/>
@@ -1235,6 +1229,7 @@
           <a:p>
             <a:fld id="{D997B5FA-0921-464F-AAE1-844C04324D75}" type="datetimeFigureOut">
               <a:rPr lang="zh-CN" altLang="en-US" smtClean="0"/>
+              <a:t>2016/10/16</a:t>
             </a:fld>
             <a:endParaRPr lang="zh-CN" altLang="en-US"/>
           </a:p>
@@ -1276,6 +1271,7 @@
           <a:p>
             <a:fld id="{565CE74E-AB26-4998-AD42-012C4C1AD076}" type="slidenum">
               <a:rPr lang="zh-CN" altLang="en-US" smtClean="0"/>
+              <a:t>‹#›</a:t>
             </a:fld>
             <a:endParaRPr lang="zh-CN" altLang="en-US"/>
           </a:p>
@@ -1396,7 +1392,6 @@
               <a:rPr lang="zh-CN" altLang="en-US" smtClean="0"/>
               <a:t>单击此处编辑母版文本样式</a:t>
             </a:r>
-            <a:endParaRPr lang="zh-CN" altLang="en-US" smtClean="0"/>
           </a:p>
         </p:txBody>
       </p:sp>
@@ -1425,7 +1420,6 @@
               <a:rPr lang="zh-CN" altLang="en-US" smtClean="0"/>
               <a:t>单击此处编辑母版文本样式</a:t>
             </a:r>
-            <a:endParaRPr lang="zh-CN" altLang="en-US" smtClean="0"/>
           </a:p>
           <a:p>
             <a:pPr lvl="1"/>
@@ -1433,7 +1427,6 @@
               <a:rPr lang="zh-CN" altLang="en-US" smtClean="0"/>
               <a:t>第二级</a:t>
             </a:r>
-            <a:endParaRPr lang="zh-CN" altLang="en-US" smtClean="0"/>
           </a:p>
           <a:p>
             <a:pPr lvl="2"/>
@@ -1441,7 +1434,6 @@
               <a:rPr lang="zh-CN" altLang="en-US" smtClean="0"/>
               <a:t>第三级</a:t>
             </a:r>
-            <a:endParaRPr lang="zh-CN" altLang="en-US" smtClean="0"/>
           </a:p>
           <a:p>
             <a:pPr lvl="3"/>
@@ -1449,7 +1441,6 @@
               <a:rPr lang="zh-CN" altLang="en-US" smtClean="0"/>
               <a:t>第四级</a:t>
             </a:r>
-            <a:endParaRPr lang="zh-CN" altLang="en-US" smtClean="0"/>
           </a:p>
           <a:p>
             <a:pPr lvl="4"/>
@@ -1523,7 +1514,6 @@
               <a:rPr lang="zh-CN" altLang="en-US" smtClean="0"/>
               <a:t>单击此处编辑母版文本样式</a:t>
             </a:r>
-            <a:endParaRPr lang="zh-CN" altLang="en-US" smtClean="0"/>
           </a:p>
         </p:txBody>
       </p:sp>
@@ -1552,7 +1542,6 @@
               <a:rPr lang="zh-CN" altLang="en-US" smtClean="0"/>
               <a:t>单击此处编辑母版文本样式</a:t>
             </a:r>
-            <a:endParaRPr lang="zh-CN" altLang="en-US" smtClean="0"/>
           </a:p>
           <a:p>
             <a:pPr lvl="1"/>
@@ -1560,7 +1549,6 @@
               <a:rPr lang="zh-CN" altLang="en-US" smtClean="0"/>
               <a:t>第二级</a:t>
             </a:r>
-            <a:endParaRPr lang="zh-CN" altLang="en-US" smtClean="0"/>
           </a:p>
           <a:p>
             <a:pPr lvl="2"/>
@@ -1568,7 +1556,6 @@
               <a:rPr lang="zh-CN" altLang="en-US" smtClean="0"/>
               <a:t>第三级</a:t>
             </a:r>
-            <a:endParaRPr lang="zh-CN" altLang="en-US" smtClean="0"/>
           </a:p>
           <a:p>
             <a:pPr lvl="3"/>
@@ -1576,7 +1563,6 @@
               <a:rPr lang="zh-CN" altLang="en-US" smtClean="0"/>
               <a:t>第四级</a:t>
             </a:r>
-            <a:endParaRPr lang="zh-CN" altLang="en-US" smtClean="0"/>
           </a:p>
           <a:p>
             <a:pPr lvl="4"/>
@@ -1605,6 +1591,7 @@
           <a:p>
             <a:fld id="{D997B5FA-0921-464F-AAE1-844C04324D75}" type="datetimeFigureOut">
               <a:rPr lang="zh-CN" altLang="en-US" smtClean="0"/>
+              <a:t>2016/10/16</a:t>
             </a:fld>
             <a:endParaRPr lang="zh-CN" altLang="en-US"/>
           </a:p>
@@ -1646,6 +1633,7 @@
           <a:p>
             <a:fld id="{565CE74E-AB26-4998-AD42-012C4C1AD076}" type="slidenum">
               <a:rPr lang="zh-CN" altLang="en-US" smtClean="0"/>
+              <a:t>‹#›</a:t>
             </a:fld>
             <a:endParaRPr lang="zh-CN" altLang="en-US"/>
           </a:p>
@@ -1716,6 +1704,7 @@
           <a:p>
             <a:fld id="{D997B5FA-0921-464F-AAE1-844C04324D75}" type="datetimeFigureOut">
               <a:rPr lang="zh-CN" altLang="en-US" smtClean="0"/>
+              <a:t>2016/10/16</a:t>
             </a:fld>
             <a:endParaRPr lang="zh-CN" altLang="en-US"/>
           </a:p>
@@ -1757,6 +1746,7 @@
           <a:p>
             <a:fld id="{565CE74E-AB26-4998-AD42-012C4C1AD076}" type="slidenum">
               <a:rPr lang="zh-CN" altLang="en-US" smtClean="0"/>
+              <a:t>‹#›</a:t>
             </a:fld>
             <a:endParaRPr lang="zh-CN" altLang="en-US"/>
           </a:p>
@@ -1804,6 +1794,7 @@
           <a:p>
             <a:fld id="{D997B5FA-0921-464F-AAE1-844C04324D75}" type="datetimeFigureOut">
               <a:rPr lang="zh-CN" altLang="en-US" smtClean="0"/>
+              <a:t>2016/10/16</a:t>
             </a:fld>
             <a:endParaRPr lang="zh-CN" altLang="en-US"/>
           </a:p>
@@ -1845,6 +1836,7 @@
           <a:p>
             <a:fld id="{565CE74E-AB26-4998-AD42-012C4C1AD076}" type="slidenum">
               <a:rPr lang="zh-CN" altLang="en-US" smtClean="0"/>
+              <a:t>‹#›</a:t>
             </a:fld>
             <a:endParaRPr lang="zh-CN" altLang="en-US"/>
           </a:p>
@@ -1960,7 +1952,6 @@
               <a:rPr lang="zh-CN" altLang="en-US" smtClean="0"/>
               <a:t>单击此处编辑母版文本样式</a:t>
             </a:r>
-            <a:endParaRPr lang="zh-CN" altLang="en-US" smtClean="0"/>
           </a:p>
           <a:p>
             <a:pPr lvl="1"/>
@@ -1968,7 +1959,6 @@
               <a:rPr lang="zh-CN" altLang="en-US" smtClean="0"/>
               <a:t>第二级</a:t>
             </a:r>
-            <a:endParaRPr lang="zh-CN" altLang="en-US" smtClean="0"/>
           </a:p>
           <a:p>
             <a:pPr lvl="2"/>
@@ -1976,7 +1966,6 @@
               <a:rPr lang="zh-CN" altLang="en-US" smtClean="0"/>
               <a:t>第三级</a:t>
             </a:r>
-            <a:endParaRPr lang="zh-CN" altLang="en-US" smtClean="0"/>
           </a:p>
           <a:p>
             <a:pPr lvl="3"/>
@@ -1984,7 +1973,6 @@
               <a:rPr lang="zh-CN" altLang="en-US" smtClean="0"/>
               <a:t>第四级</a:t>
             </a:r>
-            <a:endParaRPr lang="zh-CN" altLang="en-US" smtClean="0"/>
           </a:p>
           <a:p>
             <a:pPr lvl="4"/>
@@ -2058,7 +2046,6 @@
               <a:rPr lang="zh-CN" altLang="en-US" smtClean="0"/>
               <a:t>单击此处编辑母版文本样式</a:t>
             </a:r>
-            <a:endParaRPr lang="zh-CN" altLang="en-US" smtClean="0"/>
           </a:p>
         </p:txBody>
       </p:sp>
@@ -2079,6 +2066,7 @@
           <a:p>
             <a:fld id="{D997B5FA-0921-464F-AAE1-844C04324D75}" type="datetimeFigureOut">
               <a:rPr lang="zh-CN" altLang="en-US" smtClean="0"/>
+              <a:t>2016/10/16</a:t>
             </a:fld>
             <a:endParaRPr lang="zh-CN" altLang="en-US"/>
           </a:p>
@@ -2120,6 +2108,7 @@
           <a:p>
             <a:fld id="{565CE74E-AB26-4998-AD42-012C4C1AD076}" type="slidenum">
               <a:rPr lang="zh-CN" altLang="en-US" smtClean="0"/>
+              <a:t>‹#›</a:t>
             </a:fld>
             <a:endParaRPr lang="zh-CN" altLang="en-US"/>
           </a:p>
@@ -2305,7 +2294,6 @@
               <a:rPr lang="zh-CN" altLang="en-US" smtClean="0"/>
               <a:t>单击此处编辑母版文本样式</a:t>
             </a:r>
-            <a:endParaRPr lang="zh-CN" altLang="en-US" smtClean="0"/>
           </a:p>
         </p:txBody>
       </p:sp>
@@ -2326,6 +2314,7 @@
           <a:p>
             <a:fld id="{D997B5FA-0921-464F-AAE1-844C04324D75}" type="datetimeFigureOut">
               <a:rPr lang="zh-CN" altLang="en-US" smtClean="0"/>
+              <a:t>2016/10/16</a:t>
             </a:fld>
             <a:endParaRPr lang="zh-CN" altLang="en-US"/>
           </a:p>
@@ -2367,6 +2356,7 @@
           <a:p>
             <a:fld id="{565CE74E-AB26-4998-AD42-012C4C1AD076}" type="slidenum">
               <a:rPr lang="zh-CN" altLang="en-US" smtClean="0"/>
+              <a:t>‹#›</a:t>
             </a:fld>
             <a:endParaRPr lang="zh-CN" altLang="en-US"/>
           </a:p>
@@ -2465,7 +2455,6 @@
               <a:rPr lang="zh-CN" altLang="en-US" smtClean="0"/>
               <a:t>单击此处编辑母版文本样式</a:t>
             </a:r>
-            <a:endParaRPr lang="zh-CN" altLang="en-US" smtClean="0"/>
           </a:p>
           <a:p>
             <a:pPr lvl="1"/>
@@ -2473,7 +2462,6 @@
               <a:rPr lang="zh-CN" altLang="en-US" smtClean="0"/>
               <a:t>第二级</a:t>
             </a:r>
-            <a:endParaRPr lang="zh-CN" altLang="en-US" smtClean="0"/>
           </a:p>
           <a:p>
             <a:pPr lvl="2"/>
@@ -2481,7 +2469,6 @@
               <a:rPr lang="zh-CN" altLang="en-US" smtClean="0"/>
               <a:t>第三级</a:t>
             </a:r>
-            <a:endParaRPr lang="zh-CN" altLang="en-US" smtClean="0"/>
           </a:p>
           <a:p>
             <a:pPr lvl="3"/>
@@ -2489,7 +2476,6 @@
               <a:rPr lang="zh-CN" altLang="en-US" smtClean="0"/>
               <a:t>第四级</a:t>
             </a:r>
-            <a:endParaRPr lang="zh-CN" altLang="en-US" smtClean="0"/>
           </a:p>
           <a:p>
             <a:pPr lvl="4"/>
@@ -2536,6 +2522,7 @@
           <a:p>
             <a:fld id="{D997B5FA-0921-464F-AAE1-844C04324D75}" type="datetimeFigureOut">
               <a:rPr lang="zh-CN" altLang="en-US" smtClean="0"/>
+              <a:t>2016/10/16</a:t>
             </a:fld>
             <a:endParaRPr lang="zh-CN" altLang="en-US"/>
           </a:p>
@@ -2613,6 +2600,7 @@
           <a:p>
             <a:fld id="{565CE74E-AB26-4998-AD42-012C4C1AD076}" type="slidenum">
               <a:rPr lang="zh-CN" altLang="en-US" smtClean="0"/>
+              <a:t>‹#›</a:t>
             </a:fld>
             <a:endParaRPr lang="zh-CN" altLang="en-US"/>
           </a:p>
@@ -2923,7 +2911,7 @@
     <p:bg>
       <p:bgPr>
         <a:blipFill rotWithShape="1">
-          <a:blip r:embed="rId1"/>
+          <a:blip r:embed="rId2"/>
           <a:stretch>
             <a:fillRect/>
           </a:stretch>
@@ -2937,7 +2925,14 @@
         <p:cNvGrpSpPr/>
         <p:nvPr/>
       </p:nvGrpSpPr>
-      <p:grpSpPr/>
+      <p:grpSpPr>
+        <a:xfrm>
+          <a:off x="0" y="0"/>
+          <a:ext cx="0" cy="0"/>
+          <a:chOff x="0" y="0"/>
+          <a:chExt cx="0" cy="0"/>
+        </a:xfrm>
+      </p:grpSpPr>
       <p:sp>
         <p:nvSpPr>
           <p:cNvPr id="4" name="文本框 3"/>
@@ -2958,13 +2953,13 @@
           <a:bodyPr wrap="square" rtlCol="0">
             <a:spAutoFit/>
           </a:bodyPr>
+          <a:lstStyle/>
           <a:p>
             <a:pPr algn="ctr"/>
             <a:r>
               <a:rPr lang="en-US" altLang="zh-CN" sz="9600"/>
               <a:t>C</a:t>
             </a:r>
-            <a:endParaRPr lang="en-US" altLang="zh-CN" sz="9600"/>
           </a:p>
         </p:txBody>
       </p:sp>
@@ -2982,7 +2977,7 @@
     <p:bg>
       <p:bgPr>
         <a:blipFill rotWithShape="1">
-          <a:blip r:embed="rId1"/>
+          <a:blip r:embed="rId2"/>
           <a:stretch>
             <a:fillRect/>
           </a:stretch>
@@ -2996,7 +2991,14 @@
         <p:cNvGrpSpPr/>
         <p:nvPr/>
       </p:nvGrpSpPr>
-      <p:grpSpPr/>
+      <p:grpSpPr>
+        <a:xfrm>
+          <a:off x="0" y="0"/>
+          <a:ext cx="0" cy="0"/>
+          <a:chOff x="0" y="0"/>
+          <a:chExt cx="0" cy="0"/>
+        </a:xfrm>
+      </p:grpSpPr>
       <p:sp>
         <p:nvSpPr>
           <p:cNvPr id="4" name="文本框 3"/>
@@ -3017,13 +3019,13 @@
           <a:bodyPr wrap="square" rtlCol="0">
             <a:spAutoFit/>
           </a:bodyPr>
+          <a:lstStyle/>
           <a:p>
             <a:pPr algn="ctr"/>
             <a:r>
               <a:rPr lang="en-US" altLang="zh-CN" sz="3600"/>
               <a:t>function(){}</a:t>
             </a:r>
-            <a:endParaRPr lang="en-US" altLang="zh-CN" sz="3600"/>
           </a:p>
           <a:p>
             <a:pPr algn="ctr"/>
@@ -3035,7 +3037,6 @@
               <a:rPr lang="en-US" altLang="zh-CN" sz="3600"/>
               <a:t>arguments[]</a:t>
             </a:r>
-            <a:endParaRPr lang="en-US" altLang="zh-CN" sz="3600"/>
           </a:p>
           <a:p>
             <a:pPr algn="ctr"/>
@@ -3047,7 +3048,6 @@
               <a:rPr lang="en-US" altLang="zh-CN" sz="3600"/>
               <a:t>(function(){})()</a:t>
             </a:r>
-            <a:endParaRPr lang="en-US" altLang="zh-CN" sz="3600"/>
           </a:p>
         </p:txBody>
       </p:sp>
@@ -3065,7 +3065,7 @@
     <p:bg>
       <p:bgPr>
         <a:blipFill rotWithShape="1">
-          <a:blip r:embed="rId1"/>
+          <a:blip r:embed="rId2"/>
           <a:stretch>
             <a:fillRect/>
           </a:stretch>
@@ -3079,7 +3079,14 @@
         <p:cNvGrpSpPr/>
         <p:nvPr/>
       </p:nvGrpSpPr>
-      <p:grpSpPr/>
+      <p:grpSpPr>
+        <a:xfrm>
+          <a:off x="0" y="0"/>
+          <a:ext cx="0" cy="0"/>
+          <a:chOff x="0" y="0"/>
+          <a:chExt cx="0" cy="0"/>
+        </a:xfrm>
+      </p:grpSpPr>
       <p:sp>
         <p:nvSpPr>
           <p:cNvPr id="3" name="文本框 2"/>
@@ -3100,13 +3107,13 @@
           <a:bodyPr wrap="square" rtlCol="0">
             <a:spAutoFit/>
           </a:bodyPr>
+          <a:lstStyle/>
           <a:p>
             <a:pPr algn="ctr"/>
             <a:r>
               <a:rPr lang="en-US" altLang="zh-CN" sz="3600"/>
               <a:t>&lt;script&gt;</a:t>
             </a:r>
-            <a:endParaRPr lang="en-US" altLang="zh-CN" sz="3600"/>
           </a:p>
           <a:p>
             <a:pPr algn="ctr"/>
@@ -3126,7 +3133,6 @@
               <a:rPr lang="en-US" altLang="zh-CN" sz="3600"/>
               <a:t>&lt;script src=””&gt;</a:t>
             </a:r>
-            <a:endParaRPr lang="en-US" altLang="zh-CN" sz="3600"/>
           </a:p>
         </p:txBody>
       </p:sp>
@@ -3144,7 +3150,7 @@
     <p:bg>
       <p:bgPr>
         <a:blipFill rotWithShape="1">
-          <a:blip r:embed="rId1"/>
+          <a:blip r:embed="rId2"/>
           <a:stretch>
             <a:fillRect/>
           </a:stretch>
@@ -3158,7 +3164,14 @@
         <p:cNvGrpSpPr/>
         <p:nvPr/>
       </p:nvGrpSpPr>
-      <p:grpSpPr/>
+      <p:grpSpPr>
+        <a:xfrm>
+          <a:off x="0" y="0"/>
+          <a:ext cx="0" cy="0"/>
+          <a:chOff x="0" y="0"/>
+          <a:chExt cx="0" cy="0"/>
+        </a:xfrm>
+      </p:grpSpPr>
       <p:sp>
         <p:nvSpPr>
           <p:cNvPr id="4" name="文本框 3"/>
@@ -3179,13 +3192,13 @@
           <a:bodyPr wrap="square" rtlCol="0">
             <a:spAutoFit/>
           </a:bodyPr>
+          <a:lstStyle/>
           <a:p>
             <a:pPr algn="ctr"/>
             <a:r>
               <a:rPr lang="en-US" altLang="zh-CN" sz="3600"/>
               <a:t>Sublime Text3 &amp; emmet</a:t>
             </a:r>
-            <a:endParaRPr lang="en-US" altLang="zh-CN" sz="3600"/>
           </a:p>
           <a:p>
             <a:pPr algn="ctr"/>
@@ -3223,7 +3236,7 @@
     <p:bg>
       <p:bgPr>
         <a:blipFill rotWithShape="1">
-          <a:blip r:embed="rId1"/>
+          <a:blip r:embed="rId2"/>
           <a:stretch>
             <a:fillRect/>
           </a:stretch>
@@ -3237,7 +3250,14 @@
         <p:cNvGrpSpPr/>
         <p:nvPr/>
       </p:nvGrpSpPr>
-      <p:grpSpPr/>
+      <p:grpSpPr>
+        <a:xfrm>
+          <a:off x="0" y="0"/>
+          <a:ext cx="0" cy="0"/>
+          <a:chOff x="0" y="0"/>
+          <a:chExt cx="0" cy="0"/>
+        </a:xfrm>
+      </p:grpSpPr>
       <p:sp>
         <p:nvSpPr>
           <p:cNvPr id="4" name="文本框 3"/>
@@ -3258,13 +3278,13 @@
           <a:bodyPr wrap="square" rtlCol="0">
             <a:spAutoFit/>
           </a:bodyPr>
+          <a:lstStyle/>
           <a:p>
             <a:pPr algn="ctr"/>
             <a:r>
               <a:rPr lang="zh-CN" altLang="en-US" sz="3600"/>
               <a:t>变量的作用域</a:t>
             </a:r>
-            <a:endParaRPr lang="zh-CN" altLang="en-US" sz="3600"/>
           </a:p>
           <a:p>
             <a:pPr algn="ctr"/>
@@ -3276,7 +3296,6 @@
               <a:rPr lang="zh-CN" altLang="en-US" sz="3600"/>
               <a:t>变量提升</a:t>
             </a:r>
-            <a:endParaRPr lang="zh-CN" altLang="en-US" sz="3600"/>
           </a:p>
         </p:txBody>
       </p:sp>
@@ -3294,7 +3313,7 @@
     <p:bg>
       <p:bgPr>
         <a:blipFill rotWithShape="1">
-          <a:blip r:embed="rId1"/>
+          <a:blip r:embed="rId2"/>
           <a:stretch>
             <a:fillRect/>
           </a:stretch>
@@ -3308,7 +3327,14 @@
         <p:cNvGrpSpPr/>
         <p:nvPr/>
       </p:nvGrpSpPr>
-      <p:grpSpPr/>
+      <p:grpSpPr>
+        <a:xfrm>
+          <a:off x="0" y="0"/>
+          <a:ext cx="0" cy="0"/>
+          <a:chOff x="0" y="0"/>
+          <a:chExt cx="0" cy="0"/>
+        </a:xfrm>
+      </p:grpSpPr>
       <p:sp>
         <p:nvSpPr>
           <p:cNvPr id="4" name="文本框 3"/>
@@ -3329,13 +3355,13 @@
           <a:bodyPr wrap="square" rtlCol="0">
             <a:spAutoFit/>
           </a:bodyPr>
+          <a:lstStyle/>
           <a:p>
             <a:pPr algn="ctr"/>
             <a:r>
               <a:rPr lang="en-US" altLang="zh-CN" sz="3600"/>
               <a:t>return</a:t>
             </a:r>
-            <a:endParaRPr lang="en-US" altLang="zh-CN" sz="3600"/>
           </a:p>
         </p:txBody>
       </p:sp>
@@ -3353,7 +3379,7 @@
     <p:bg>
       <p:bgPr>
         <a:blipFill rotWithShape="1">
-          <a:blip r:embed="rId1"/>
+          <a:blip r:embed="rId2"/>
           <a:stretch>
             <a:fillRect/>
           </a:stretch>
@@ -3367,7 +3393,14 @@
         <p:cNvGrpSpPr/>
         <p:nvPr/>
       </p:nvGrpSpPr>
-      <p:grpSpPr/>
+      <p:grpSpPr>
+        <a:xfrm>
+          <a:off x="0" y="0"/>
+          <a:ext cx="0" cy="0"/>
+          <a:chOff x="0" y="0"/>
+          <a:chExt cx="0" cy="0"/>
+        </a:xfrm>
+      </p:grpSpPr>
       <p:sp>
         <p:nvSpPr>
           <p:cNvPr id="4" name="文本框 3"/>
@@ -3377,7 +3410,7 @@
         <p:spPr>
           <a:xfrm>
             <a:off x="1933575" y="2131060"/>
-            <a:ext cx="8741410" cy="2291080"/>
+            <a:ext cx="8741410" cy="2862322"/>
           </a:xfrm>
           <a:prstGeom prst="rect">
             <a:avLst/>
@@ -3388,37 +3421,43 @@
           <a:bodyPr wrap="square" rtlCol="0">
             <a:spAutoFit/>
           </a:bodyPr>
-          <a:p>
-            <a:pPr algn="ctr"/>
-            <a:r>
-              <a:rPr lang="en-US" altLang="zh-CN" sz="3600"/>
+          <a:lstStyle/>
+          <a:p>
+            <a:pPr algn="ctr"/>
+            <a:r>
+              <a:rPr lang="en-US" altLang="zh-CN" sz="3600" dirty="0" err="1"/>
               <a:t>int</a:t>
             </a:r>
-            <a:endParaRPr lang="en-US" altLang="zh-CN" sz="3600"/>
-          </a:p>
-          <a:p>
-            <a:pPr algn="ctr"/>
-            <a:r>
-              <a:rPr lang="en-US" altLang="zh-CN" sz="3600"/>
+            <a:endParaRPr lang="en-US" altLang="zh-CN" sz="3600" dirty="0"/>
+          </a:p>
+          <a:p>
+            <a:pPr algn="ctr"/>
+            <a:r>
+              <a:rPr lang="en-US" altLang="zh-CN" sz="3600" dirty="0"/>
               <a:t>float</a:t>
             </a:r>
-            <a:endParaRPr lang="en-US" altLang="zh-CN" sz="3600"/>
-          </a:p>
-          <a:p>
-            <a:pPr algn="ctr"/>
-            <a:r>
-              <a:rPr lang="en-US" altLang="zh-CN" sz="3600"/>
+          </a:p>
+          <a:p>
+            <a:pPr algn="ctr"/>
+            <a:r>
+              <a:rPr lang="en-US" altLang="zh-CN" sz="3600" dirty="0"/>
               <a:t>double</a:t>
             </a:r>
-            <a:endParaRPr lang="en-US" altLang="zh-CN" sz="3600"/>
-          </a:p>
-          <a:p>
-            <a:pPr algn="ctr"/>
-            <a:r>
-              <a:rPr lang="en-US" altLang="zh-CN" sz="3600"/>
-              <a:t>char</a:t>
-            </a:r>
-            <a:endParaRPr lang="en-US" altLang="zh-CN" sz="3600"/>
+          </a:p>
+          <a:p>
+            <a:pPr algn="ctr"/>
+            <a:r>
+              <a:rPr lang="en-US" altLang="zh-CN" sz="3600" dirty="0" smtClean="0"/>
+              <a:t>Char</a:t>
+            </a:r>
+          </a:p>
+          <a:p>
+            <a:pPr algn="ctr"/>
+            <a:r>
+              <a:rPr lang="zh-CN" altLang="en-US" sz="3600" dirty="0" smtClean="0"/>
+              <a:t>定义与申明</a:t>
+            </a:r>
+            <a:endParaRPr lang="en-US" altLang="zh-CN" sz="3600" dirty="0" smtClean="0"/>
           </a:p>
         </p:txBody>
       </p:sp>
@@ -3436,7 +3475,7 @@
     <p:bg>
       <p:bgPr>
         <a:blipFill rotWithShape="1">
-          <a:blip r:embed="rId1"/>
+          <a:blip r:embed="rId2"/>
           <a:stretch>
             <a:fillRect/>
           </a:stretch>
@@ -3450,7 +3489,14 @@
         <p:cNvGrpSpPr/>
         <p:nvPr/>
       </p:nvGrpSpPr>
-      <p:grpSpPr/>
+      <p:grpSpPr>
+        <a:xfrm>
+          <a:off x="0" y="0"/>
+          <a:ext cx="0" cy="0"/>
+          <a:chOff x="0" y="0"/>
+          <a:chExt cx="0" cy="0"/>
+        </a:xfrm>
+      </p:grpSpPr>
       <p:sp>
         <p:nvSpPr>
           <p:cNvPr id="4" name="文本框 3"/>
@@ -3471,13 +3517,13 @@
           <a:bodyPr wrap="square" rtlCol="0">
             <a:spAutoFit/>
           </a:bodyPr>
+          <a:lstStyle/>
           <a:p>
             <a:pPr algn="ctr"/>
             <a:r>
               <a:rPr lang="en-US" altLang="zh-CN" sz="3600"/>
               <a:t>str[]</a:t>
             </a:r>
-            <a:endParaRPr lang="en-US" altLang="zh-CN" sz="3600"/>
           </a:p>
           <a:p>
             <a:pPr algn="ctr"/>
@@ -3497,7 +3543,6 @@
               <a:rPr lang="en-US" altLang="zh-CN" sz="3600"/>
               <a:t>*str</a:t>
             </a:r>
-            <a:endParaRPr lang="en-US" altLang="zh-CN" sz="3600"/>
           </a:p>
         </p:txBody>
       </p:sp>
@@ -3515,7 +3560,7 @@
     <p:bg>
       <p:bgPr>
         <a:blipFill rotWithShape="1">
-          <a:blip r:embed="rId1"/>
+          <a:blip r:embed="rId2"/>
           <a:stretch>
             <a:fillRect/>
           </a:stretch>
@@ -3529,7 +3574,14 @@
         <p:cNvGrpSpPr/>
         <p:nvPr/>
       </p:nvGrpSpPr>
-      <p:grpSpPr/>
+      <p:grpSpPr>
+        <a:xfrm>
+          <a:off x="0" y="0"/>
+          <a:ext cx="0" cy="0"/>
+          <a:chOff x="0" y="0"/>
+          <a:chExt cx="0" cy="0"/>
+        </a:xfrm>
+      </p:grpSpPr>
       <p:sp>
         <p:nvSpPr>
           <p:cNvPr id="4" name="文本框 3"/>
@@ -3550,13 +3602,13 @@
           <a:bodyPr wrap="square" rtlCol="0">
             <a:spAutoFit/>
           </a:bodyPr>
+          <a:lstStyle/>
           <a:p>
             <a:pPr algn="ctr"/>
             <a:r>
               <a:rPr lang="en-US" altLang="zh-CN" sz="3600"/>
               <a:t>if</a:t>
             </a:r>
-            <a:endParaRPr lang="en-US" altLang="zh-CN" sz="3600"/>
           </a:p>
           <a:p>
             <a:pPr algn="ctr"/>
@@ -3564,7 +3616,6 @@
               <a:rPr lang="en-US" altLang="zh-CN" sz="3600"/>
               <a:t>while</a:t>
             </a:r>
-            <a:endParaRPr lang="en-US" altLang="zh-CN" sz="3600"/>
           </a:p>
           <a:p>
             <a:pPr algn="ctr"/>
@@ -3572,7 +3623,6 @@
               <a:rPr lang="en-US" altLang="zh-CN" sz="3600"/>
               <a:t>for</a:t>
             </a:r>
-            <a:endParaRPr lang="en-US" altLang="zh-CN" sz="3600"/>
           </a:p>
           <a:p>
             <a:pPr algn="ctr"/>
@@ -3580,7 +3630,6 @@
               <a:rPr lang="en-US" altLang="zh-CN" sz="3600"/>
               <a:t>switch  </a:t>
             </a:r>
-            <a:endParaRPr lang="en-US" altLang="zh-CN" sz="3600"/>
           </a:p>
           <a:p>
             <a:pPr algn="ctr"/>
@@ -3588,7 +3637,6 @@
               <a:rPr lang="en-US" altLang="zh-CN" sz="3600"/>
               <a:t>break </a:t>
             </a:r>
-            <a:endParaRPr lang="en-US" altLang="zh-CN" sz="3600"/>
           </a:p>
           <a:p>
             <a:pPr algn="ctr"/>
@@ -3596,7 +3644,6 @@
               <a:rPr lang="en-US" altLang="zh-CN" sz="3600"/>
               <a:t>continue</a:t>
             </a:r>
-            <a:endParaRPr lang="en-US" altLang="zh-CN" sz="3600"/>
           </a:p>
         </p:txBody>
       </p:sp>
@@ -3614,7 +3661,7 @@
     <p:bg>
       <p:bgPr>
         <a:blipFill rotWithShape="1">
-          <a:blip r:embed="rId1"/>
+          <a:blip r:embed="rId2"/>
           <a:stretch>
             <a:fillRect/>
           </a:stretch>
@@ -3628,7 +3675,14 @@
         <p:cNvGrpSpPr/>
         <p:nvPr/>
       </p:nvGrpSpPr>
-      <p:grpSpPr/>
+      <p:grpSpPr>
+        <a:xfrm>
+          <a:off x="0" y="0"/>
+          <a:ext cx="0" cy="0"/>
+          <a:chOff x="0" y="0"/>
+          <a:chExt cx="0" cy="0"/>
+        </a:xfrm>
+      </p:grpSpPr>
       <p:sp>
         <p:nvSpPr>
           <p:cNvPr id="4" name="文本框 3"/>
@@ -3638,7 +3692,7 @@
         <p:spPr>
           <a:xfrm>
             <a:off x="1933575" y="2893060"/>
-            <a:ext cx="8741410" cy="645160"/>
+            <a:ext cx="8741410" cy="1200329"/>
           </a:xfrm>
           <a:prstGeom prst="rect">
             <a:avLst/>
@@ -3649,13 +3703,25 @@
           <a:bodyPr wrap="square" rtlCol="0">
             <a:spAutoFit/>
           </a:bodyPr>
-          <a:p>
-            <a:pPr algn="ctr"/>
-            <a:r>
-              <a:rPr lang="en-US" altLang="zh-CN" sz="3600"/>
-              <a:t>void function(){}</a:t>
-            </a:r>
-            <a:endParaRPr lang="en-US" altLang="zh-CN" sz="3600"/>
+          <a:lstStyle/>
+          <a:p>
+            <a:pPr algn="ctr"/>
+            <a:r>
+              <a:rPr lang="en-US" altLang="zh-CN" sz="3600" dirty="0"/>
+              <a:t>void function</a:t>
+            </a:r>
+            <a:r>
+              <a:rPr lang="en-US" altLang="zh-CN" sz="3600" dirty="0" smtClean="0"/>
+              <a:t>(){}</a:t>
+            </a:r>
+          </a:p>
+          <a:p>
+            <a:pPr algn="ctr"/>
+            <a:r>
+              <a:rPr lang="zh-CN" altLang="en-US" sz="3600" dirty="0"/>
+              <a:t>作用域</a:t>
+            </a:r>
+            <a:endParaRPr lang="en-US" altLang="zh-CN" sz="3600" dirty="0"/>
           </a:p>
         </p:txBody>
       </p:sp>
@@ -3673,7 +3739,7 @@
     <p:bg>
       <p:bgPr>
         <a:blipFill rotWithShape="1">
-          <a:blip r:embed="rId1"/>
+          <a:blip r:embed="rId2"/>
           <a:stretch>
             <a:fillRect/>
           </a:stretch>
@@ -3687,7 +3753,14 @@
         <p:cNvGrpSpPr/>
         <p:nvPr/>
       </p:nvGrpSpPr>
-      <p:grpSpPr/>
+      <p:grpSpPr>
+        <a:xfrm>
+          <a:off x="0" y="0"/>
+          <a:ext cx="0" cy="0"/>
+          <a:chOff x="0" y="0"/>
+          <a:chExt cx="0" cy="0"/>
+        </a:xfrm>
+      </p:grpSpPr>
       <p:sp>
         <p:nvSpPr>
           <p:cNvPr id="4" name="文本框 3"/>
@@ -3708,13 +3781,13 @@
           <a:bodyPr wrap="square" rtlCol="0">
             <a:spAutoFit/>
           </a:bodyPr>
+          <a:lstStyle/>
           <a:p>
             <a:pPr algn="ctr"/>
             <a:r>
               <a:rPr lang="en-US" altLang="zh-CN" sz="9600"/>
               <a:t>JavaScript</a:t>
             </a:r>
-            <a:endParaRPr lang="en-US" altLang="zh-CN" sz="9600"/>
           </a:p>
         </p:txBody>
       </p:sp>
@@ -3732,7 +3805,7 @@
     <p:bg>
       <p:bgPr>
         <a:blipFill rotWithShape="1">
-          <a:blip r:embed="rId1"/>
+          <a:blip r:embed="rId2"/>
           <a:stretch>
             <a:fillRect/>
           </a:stretch>
@@ -3746,7 +3819,14 @@
         <p:cNvGrpSpPr/>
         <p:nvPr/>
       </p:nvGrpSpPr>
-      <p:grpSpPr/>
+      <p:grpSpPr>
+        <a:xfrm>
+          <a:off x="0" y="0"/>
+          <a:ext cx="0" cy="0"/>
+          <a:chOff x="0" y="0"/>
+          <a:chExt cx="0" cy="0"/>
+        </a:xfrm>
+      </p:grpSpPr>
       <p:sp>
         <p:nvSpPr>
           <p:cNvPr id="4" name="文本框 3"/>
@@ -3767,6 +3847,7 @@
           <a:bodyPr wrap="square" rtlCol="0">
             <a:spAutoFit/>
           </a:bodyPr>
+          <a:lstStyle/>
           <a:p>
             <a:pPr algn="ctr"/>
             <a:r>
@@ -3795,7 +3876,7 @@
     <p:bg>
       <p:bgPr>
         <a:blipFill rotWithShape="1">
-          <a:blip r:embed="rId1"/>
+          <a:blip r:embed="rId2"/>
           <a:stretch>
             <a:fillRect/>
           </a:stretch>
@@ -3809,7 +3890,14 @@
         <p:cNvGrpSpPr/>
         <p:nvPr/>
       </p:nvGrpSpPr>
-      <p:grpSpPr/>
+      <p:grpSpPr>
+        <a:xfrm>
+          <a:off x="0" y="0"/>
+          <a:ext cx="0" cy="0"/>
+          <a:chOff x="0" y="0"/>
+          <a:chExt cx="0" cy="0"/>
+        </a:xfrm>
+      </p:grpSpPr>
       <p:sp>
         <p:nvSpPr>
           <p:cNvPr id="4" name="文本框 3"/>
@@ -3830,13 +3918,13 @@
           <a:bodyPr wrap="square" rtlCol="0">
             <a:spAutoFit/>
           </a:bodyPr>
+          <a:lstStyle/>
           <a:p>
             <a:pPr algn="ctr"/>
             <a:r>
               <a:rPr lang="en-US" altLang="zh-CN" sz="3600"/>
               <a:t>var</a:t>
             </a:r>
-            <a:endParaRPr lang="en-US" altLang="zh-CN" sz="3600"/>
           </a:p>
           <a:p>
             <a:pPr algn="ctr"/>
@@ -3848,7 +3936,6 @@
               <a:rPr lang="en-US" altLang="zh-CN" sz="3600"/>
               <a:t>concole.log()</a:t>
             </a:r>
-            <a:endParaRPr lang="en-US" altLang="zh-CN" sz="3600"/>
           </a:p>
           <a:p>
             <a:pPr algn="ctr"/>
@@ -3860,7 +3947,6 @@
               <a:rPr lang="en-US" altLang="zh-CN" sz="3600"/>
               <a:t>alert()</a:t>
             </a:r>
-            <a:endParaRPr lang="en-US" altLang="zh-CN" sz="3600"/>
           </a:p>
         </p:txBody>
       </p:sp>
@@ -3878,7 +3964,7 @@
     <p:bg>
       <p:bgPr>
         <a:blipFill rotWithShape="1">
-          <a:blip r:embed="rId1"/>
+          <a:blip r:embed="rId2"/>
           <a:stretch>
             <a:fillRect/>
           </a:stretch>
@@ -3892,7 +3978,14 @@
         <p:cNvGrpSpPr/>
         <p:nvPr/>
       </p:nvGrpSpPr>
-      <p:grpSpPr/>
+      <p:grpSpPr>
+        <a:xfrm>
+          <a:off x="0" y="0"/>
+          <a:ext cx="0" cy="0"/>
+          <a:chOff x="0" y="0"/>
+          <a:chExt cx="0" cy="0"/>
+        </a:xfrm>
+      </p:grpSpPr>
       <p:sp>
         <p:nvSpPr>
           <p:cNvPr id="4" name="文本框 3"/>
@@ -3913,13 +4006,13 @@
           <a:bodyPr wrap="square" rtlCol="0">
             <a:spAutoFit/>
           </a:bodyPr>
+          <a:lstStyle/>
           <a:p>
             <a:pPr algn="ctr"/>
             <a:r>
               <a:rPr lang="en-US" altLang="zh-CN" sz="3600"/>
               <a:t>Object</a:t>
             </a:r>
-            <a:endParaRPr lang="en-US" altLang="zh-CN" sz="3600"/>
           </a:p>
           <a:p>
             <a:pPr algn="ctr"/>
@@ -3927,7 +4020,6 @@
               <a:rPr lang="en-US" altLang="zh-CN" sz="3600"/>
               <a:t>keys</a:t>
             </a:r>
-            <a:endParaRPr lang="en-US" altLang="zh-CN" sz="3600"/>
           </a:p>
           <a:p>
             <a:pPr algn="ctr"/>
@@ -3935,7 +4027,6 @@
               <a:rPr lang="en-US" altLang="zh-CN" sz="3600"/>
               <a:t>values</a:t>
             </a:r>
-            <a:endParaRPr lang="en-US" altLang="zh-CN" sz="3600"/>
           </a:p>
           <a:p>
             <a:pPr algn="ctr"/>
@@ -3943,7 +4034,6 @@
               <a:rPr lang="en-US" altLang="zh-CN" sz="3600"/>
               <a:t>this</a:t>
             </a:r>
-            <a:endParaRPr lang="en-US" altLang="zh-CN" sz="3600"/>
           </a:p>
           <a:p>
             <a:pPr algn="ctr"/>
@@ -3951,7 +4041,6 @@
               <a:rPr lang="en-US" altLang="zh-CN" sz="3600"/>
               <a:t>new</a:t>
             </a:r>
-            <a:endParaRPr lang="en-US" altLang="zh-CN" sz="3600"/>
           </a:p>
         </p:txBody>
       </p:sp>
